--- a/Documentation/Online Fashion Store.pptx
+++ b/Documentation/Online Fashion Store.pptx
@@ -113,6 +113,11 @@
       </a:defRPr>
     </a:lvl9pPr>
   </p:defaultTextStyle>
+  <p:extLst>
+    <p:ext uri="{EFAFB233-063F-42B5-8137-9DF3F51BA10A}">
+      <p15:sldGuideLst xmlns:p15="http://schemas.microsoft.com/office/powerpoint/2012/main"/>
+    </p:ext>
+  </p:extLst>
 </p:presentation>
 </file>
 
@@ -3597,7 +3602,7 @@
               <a:rPr lang="en-US" b="1" dirty="0"/>
             </a:br>
             <a:r>
-              <a:rPr lang="en-US" b="1" dirty="0"/>
+              <a:rPr lang="en-US" sz="6000" b="1" dirty="0"/>
               <a:t>Project Specification </a:t>
             </a:r>
             <a:br>
@@ -3628,8 +3633,8 @@
         </p:nvSpPr>
         <p:spPr>
           <a:xfrm>
-            <a:off x="514350" y="1690688"/>
-            <a:ext cx="6800850" cy="4351338"/>
+            <a:off x="838200" y="1690688"/>
+            <a:ext cx="6477000" cy="4351338"/>
           </a:xfrm>
         </p:spPr>
         <p:txBody>
@@ -3647,7 +3652,7 @@
             </a:r>
           </a:p>
           <a:p>
-            <a:pPr marL="0" indent="0">
+            <a:pPr marL="0" indent="0" algn="just">
               <a:buNone/>
             </a:pPr>
             <a:r>
@@ -3821,7 +3826,7 @@
               <a:rPr lang="en-US" b="1" dirty="0"/>
             </a:br>
             <a:r>
-              <a:rPr lang="en-US" sz="4900" b="1" dirty="0"/>
+              <a:rPr lang="en-US" sz="6000" b="1" dirty="0"/>
               <a:t>The website</a:t>
             </a:r>
             <a:br>
@@ -3932,7 +3937,7 @@
               <a:rPr lang="en-US" b="1" dirty="0"/>
             </a:br>
             <a:r>
-              <a:rPr lang="en-US" sz="4900" b="1" dirty="0"/>
+              <a:rPr lang="en-US" sz="6000" b="1" dirty="0"/>
               <a:t>Products Pages</a:t>
             </a:r>
             <a:br>
@@ -4067,7 +4072,7 @@
               <a:rPr lang="en-US" b="1" dirty="0"/>
             </a:br>
             <a:r>
-              <a:rPr lang="en-US" b="1" dirty="0"/>
+              <a:rPr lang="en-US" sz="6000" b="1" dirty="0"/>
               <a:t>Products Categories</a:t>
             </a:r>
             <a:br>
@@ -4394,14 +4399,16 @@
           </a:xfrm>
         </p:spPr>
         <p:txBody>
-          <a:bodyPr/>
-          <a:lstStyle/>
-          <a:p>
-            <a:r>
-              <a:rPr lang="en-US" b="1" dirty="0"/>
-              <a:t>Create Account</a:t>
-            </a:r>
-            <a:endParaRPr lang="en-US" dirty="0"/>
+          <a:bodyPr>
+            <a:normAutofit/>
+          </a:bodyPr>
+          <a:lstStyle/>
+          <a:p>
+            <a:r>
+              <a:rPr lang="en-US" sz="5400" b="1" dirty="0"/>
+              <a:t>Authentication</a:t>
+            </a:r>
+            <a:endParaRPr lang="en-US" sz="5400" dirty="0"/>
           </a:p>
         </p:txBody>
       </p:sp>
@@ -4431,17 +4438,18 @@
           <a:bodyPr/>
           <a:lstStyle/>
           <a:p>
+            <a:pPr marL="0" indent="0">
+              <a:buNone/>
+            </a:pPr>
+            <a:r>
+              <a:rPr lang="en-US" sz="4400" dirty="0"/>
+              <a:t>Create Account</a:t>
+            </a:r>
+          </a:p>
+          <a:p>
             <a:r>
               <a:rPr lang="en-US" sz="2400" dirty="0"/>
-              <a:t>This page is for users to register for their purchase. Users would have to provide with </a:t>
-            </a:r>
-            <a:r>
-              <a:rPr lang="en-US" sz="2400" dirty="0" err="1"/>
-              <a:t>informations</a:t>
-            </a:r>
-            <a:r>
-              <a:rPr lang="en-US" sz="2400" dirty="0"/>
-              <a:t>.</a:t>
+              <a:t>This page is for users to register for their purchase. Users would have to provide with information.</a:t>
             </a:r>
           </a:p>
           <a:p>
@@ -4694,11 +4702,11 @@
               <a:rPr lang="en-US" b="1" dirty="0"/>
             </a:br>
             <a:r>
-              <a:rPr lang="en-US" b="1" dirty="0"/>
+              <a:rPr lang="en-US" sz="6000" b="1" dirty="0"/>
               <a:t>Why This Service?</a:t>
             </a:r>
             <a:br>
-              <a:rPr lang="en-US" dirty="0"/>
+              <a:rPr lang="en-US" sz="6000" dirty="0"/>
             </a:br>
             <a:endParaRPr lang="en-US" dirty="0"/>
           </a:p>
@@ -4848,54 +4856,73 @@
         </p:nvSpPr>
         <p:spPr/>
         <p:txBody>
-          <a:bodyPr/>
-          <a:lstStyle/>
-          <a:p>
-            <a:r>
-              <a:rPr lang="en-US" b="1" dirty="0"/>
+          <a:bodyPr>
+            <a:normAutofit/>
+          </a:bodyPr>
+          <a:lstStyle/>
+          <a:p>
+            <a:r>
+              <a:rPr lang="en-US" sz="5400" b="1" dirty="0"/>
               <a:t>Project Plan</a:t>
             </a:r>
+            <a:endParaRPr lang="en-US" sz="5400" dirty="0"/>
+          </a:p>
+        </p:txBody>
+      </p:sp>
+      <p:sp>
+        <p:nvSpPr>
+          <p:cNvPr id="3" name="Content Placeholder 2">
+            <a:extLst>
+              <a:ext uri="{FF2B5EF4-FFF2-40B4-BE49-F238E27FC236}">
+                <a16:creationId xmlns:a16="http://schemas.microsoft.com/office/drawing/2014/main" id="{A33F074F-68F2-474F-9EDA-EE8F67A9E13F}"/>
+              </a:ext>
+            </a:extLst>
+          </p:cNvPr>
+          <p:cNvSpPr>
+            <a:spLocks noGrp="1"/>
+          </p:cNvSpPr>
+          <p:nvPr>
+            <p:ph idx="1"/>
+          </p:nvPr>
+        </p:nvSpPr>
+        <p:spPr/>
+        <p:txBody>
+          <a:bodyPr/>
+          <a:lstStyle/>
+          <a:p>
+            <a:r>
+              <a:rPr lang="en-US" dirty="0"/>
+              <a:t>Month-1 (Back-End and Data Collection)</a:t>
+            </a:r>
+          </a:p>
+          <a:p>
+            <a:r>
+              <a:rPr lang="en-US" dirty="0"/>
+              <a:t>Month-2 (Front-End)</a:t>
+            </a:r>
+          </a:p>
+          <a:p>
+            <a:r>
+              <a:rPr lang="en-US" dirty="0"/>
+              <a:t>Month-3 (Finalization)</a:t>
+            </a:r>
+          </a:p>
+          <a:p>
             <a:endParaRPr lang="en-US" dirty="0"/>
           </a:p>
-        </p:txBody>
-      </p:sp>
-      <p:sp>
-        <p:nvSpPr>
-          <p:cNvPr id="3" name="Content Placeholder 2">
-            <a:extLst>
-              <a:ext uri="{FF2B5EF4-FFF2-40B4-BE49-F238E27FC236}">
-                <a16:creationId xmlns:a16="http://schemas.microsoft.com/office/drawing/2014/main" id="{A33F074F-68F2-474F-9EDA-EE8F67A9E13F}"/>
-              </a:ext>
-            </a:extLst>
-          </p:cNvPr>
-          <p:cNvSpPr>
-            <a:spLocks noGrp="1"/>
-          </p:cNvSpPr>
-          <p:nvPr>
-            <p:ph idx="1"/>
-          </p:nvPr>
-        </p:nvSpPr>
-        <p:spPr/>
-        <p:txBody>
-          <a:bodyPr/>
-          <a:lstStyle/>
-          <a:p>
+          <a:p>
+            <a:pPr marL="0" indent="0">
+              <a:buNone/>
+            </a:pPr>
             <a:r>
               <a:rPr lang="en-US" dirty="0"/>
-              <a:t>Month-1</a:t>
-            </a:r>
-          </a:p>
-          <a:p>
-            <a:r>
-              <a:rPr lang="en-US" dirty="0"/>
-              <a:t>Month-2</a:t>
-            </a:r>
-          </a:p>
-          <a:p>
-            <a:r>
-              <a:rPr lang="en-US" dirty="0"/>
-              <a:t>Month-3</a:t>
-            </a:r>
+              <a:t>* (Though, focusing on Test </a:t>
+            </a:r>
+            <a:r>
+              <a:rPr lang="en-US"/>
+              <a:t>Driven Development)</a:t>
+            </a:r>
+            <a:endParaRPr lang="en-US" dirty="0"/>
           </a:p>
         </p:txBody>
       </p:sp>
